--- a/От Сервера клиенту или как это работает у.pptx
+++ b/От Сервера клиенту или как это работает у.pptx
@@ -4893,15 +4893,7 @@
                   <a:srgbClr val="866B93"/>
                 </a:solidFill>
               </a:rPr>
-              <a:t>Polling </a:t>
-            </a:r>
-            <a:r>
-              <a:rPr lang="en-US" dirty="0" smtClean="0">
-                <a:solidFill>
-                  <a:srgbClr val="866B93"/>
-                </a:solidFill>
-              </a:rPr>
-              <a:t>C#</a:t>
+              <a:t>Polling C#</a:t>
             </a:r>
             <a:endParaRPr lang="en-US" dirty="0">
               <a:solidFill>
@@ -5668,15 +5660,7 @@
                   <a:srgbClr val="866B93"/>
                 </a:solidFill>
               </a:rPr>
-              <a:t>Polling </a:t>
-            </a:r>
-            <a:r>
-              <a:rPr lang="en-US" dirty="0" smtClean="0">
-                <a:solidFill>
-                  <a:srgbClr val="866B93"/>
-                </a:solidFill>
-              </a:rPr>
-              <a:t>JS</a:t>
+              <a:t>Polling JS</a:t>
             </a:r>
             <a:endParaRPr lang="en-US" dirty="0">
               <a:solidFill>
@@ -6722,15 +6706,7 @@
                   <a:srgbClr val="866B93"/>
                 </a:solidFill>
               </a:rPr>
-              <a:t>Long </a:t>
-            </a:r>
-            <a:r>
-              <a:rPr lang="en-US" dirty="0" smtClean="0">
-                <a:solidFill>
-                  <a:srgbClr val="866B93"/>
-                </a:solidFill>
-              </a:rPr>
-              <a:t>Polling</a:t>
+              <a:t>Long Polling</a:t>
             </a:r>
             <a:endParaRPr lang="en-US" dirty="0">
               <a:solidFill>
@@ -7152,15 +7128,7 @@
                   <a:srgbClr val="866B93"/>
                 </a:solidFill>
               </a:rPr>
-              <a:t>Long </a:t>
-            </a:r>
-            <a:r>
-              <a:rPr lang="en-US" dirty="0" smtClean="0">
-                <a:solidFill>
-                  <a:srgbClr val="866B93"/>
-                </a:solidFill>
-              </a:rPr>
-              <a:t>Polling</a:t>
+              <a:t>Long Polling</a:t>
             </a:r>
             <a:endParaRPr lang="en-US" dirty="0">
               <a:solidFill>
@@ -7291,15 +7259,7 @@
                   <a:srgbClr val="866B93"/>
                 </a:solidFill>
               </a:rPr>
-              <a:t>Long </a:t>
-            </a:r>
-            <a:r>
-              <a:rPr lang="en-US" dirty="0" smtClean="0">
-                <a:solidFill>
-                  <a:srgbClr val="866B93"/>
-                </a:solidFill>
-              </a:rPr>
-              <a:t>Polling</a:t>
+              <a:t>Long Polling</a:t>
             </a:r>
             <a:endParaRPr lang="en-US" dirty="0">
               <a:solidFill>
@@ -7830,23 +7790,7 @@
                   <a:srgbClr val="866B93"/>
                 </a:solidFill>
               </a:rPr>
-              <a:t>Long </a:t>
-            </a:r>
-            <a:r>
-              <a:rPr lang="en-US" dirty="0" smtClean="0">
-                <a:solidFill>
-                  <a:srgbClr val="866B93"/>
-                </a:solidFill>
-              </a:rPr>
-              <a:t>Polling </a:t>
-            </a:r>
-            <a:r>
-              <a:rPr lang="en-US" dirty="0" smtClean="0">
-                <a:solidFill>
-                  <a:srgbClr val="866B93"/>
-                </a:solidFill>
-              </a:rPr>
-              <a:t>C#</a:t>
+              <a:t>Long Polling C#</a:t>
             </a:r>
             <a:endParaRPr lang="en-US" dirty="0">
               <a:solidFill>
@@ -8482,23 +8426,7 @@
                   <a:srgbClr val="866B93"/>
                 </a:solidFill>
               </a:rPr>
-              <a:t>Long </a:t>
-            </a:r>
-            <a:r>
-              <a:rPr lang="en-US" dirty="0" smtClean="0">
-                <a:solidFill>
-                  <a:srgbClr val="866B93"/>
-                </a:solidFill>
-              </a:rPr>
-              <a:t>Polling </a:t>
-            </a:r>
-            <a:r>
-              <a:rPr lang="en-US" dirty="0" smtClean="0">
-                <a:solidFill>
-                  <a:srgbClr val="866B93"/>
-                </a:solidFill>
-              </a:rPr>
-              <a:t>JS</a:t>
+              <a:t>Long Polling JS</a:t>
             </a:r>
             <a:endParaRPr lang="en-US" dirty="0">
               <a:solidFill>
@@ -11837,8 +11765,16 @@
               <a:buChar char="•"/>
             </a:pPr>
             <a:r>
+              <a:rPr lang="ru-RU" sz="2400" dirty="0" err="1" smtClean="0"/>
+              <a:t>Независит</a:t>
+            </a:r>
+            <a:r>
               <a:rPr lang="ru-RU" sz="2400" dirty="0" smtClean="0"/>
-              <a:t>Не зависит от </a:t>
+              <a:t> </a:t>
+            </a:r>
+            <a:r>
+              <a:rPr lang="ru-RU" sz="2400" dirty="0" smtClean="0"/>
+              <a:t>от </a:t>
             </a:r>
             <a:r>
               <a:rPr lang="ru-RU" sz="2400" dirty="0" err="1" smtClean="0"/>

--- a/От Сервера клиенту или как это работает у.pptx
+++ b/От Сервера клиенту или как это работает у.pptx
@@ -11765,12 +11765,8 @@
               <a:buChar char="•"/>
             </a:pPr>
             <a:r>
-              <a:rPr lang="ru-RU" sz="2400" dirty="0" err="1" smtClean="0"/>
-              <a:t>Независит</a:t>
-            </a:r>
-            <a:r>
-              <a:rPr lang="ru-RU" sz="2400" dirty="0" smtClean="0"/>
-              <a:t> </a:t>
+              <a:rPr lang="ru-RU" sz="2400" smtClean="0"/>
+              <a:t>Не зависит </a:t>
             </a:r>
             <a:r>
               <a:rPr lang="ru-RU" sz="2400" dirty="0" smtClean="0"/>
